--- a/images/images.pptx
+++ b/images/images.pptx
@@ -6,6 +6,10 @@
   </p:sldMasterIdLst>
   <p:sldIdLst>
     <p:sldId id="256" r:id="rId2"/>
+    <p:sldId id="257" r:id="rId3"/>
+    <p:sldId id="258" r:id="rId4"/>
+    <p:sldId id="259" r:id="rId5"/>
+    <p:sldId id="260" r:id="rId6"/>
   </p:sldIdLst>
   <p:sldSz cx="12192000" cy="6858000"/>
   <p:notesSz cx="6858000" cy="9144000"/>
@@ -104,6 +108,11 @@
       </a:defRPr>
     </a:lvl9pPr>
   </p:defaultTextStyle>
+  <p:extLst>
+    <p:ext uri="{EFAFB233-063F-42B5-8137-9DF3F51BA10A}">
+      <p15:sldGuideLst xmlns:p15="http://schemas.microsoft.com/office/powerpoint/2012/main"/>
+    </p:ext>
+  </p:extLst>
 </p:presentation>
 </file>
 
@@ -254,7 +263,7 @@
           <a:p>
             <a:fld id="{EC913525-F255-614D-8C74-CAEDF9135B33}" type="datetimeFigureOut">
               <a:rPr kumimoji="1" lang="ja-JP" altLang="en-US" smtClean="0"/>
-              <a:t>2023/4/15</a:t>
+              <a:t>2023/6/16</a:t>
             </a:fld>
             <a:endParaRPr kumimoji="1" lang="ja-JP" altLang="en-US"/>
           </a:p>
@@ -484,7 +493,7 @@
           <a:p>
             <a:fld id="{EC913525-F255-614D-8C74-CAEDF9135B33}" type="datetimeFigureOut">
               <a:rPr kumimoji="1" lang="ja-JP" altLang="en-US" smtClean="0"/>
-              <a:t>2023/4/15</a:t>
+              <a:t>2023/6/16</a:t>
             </a:fld>
             <a:endParaRPr kumimoji="1" lang="ja-JP" altLang="en-US"/>
           </a:p>
@@ -724,7 +733,7 @@
           <a:p>
             <a:fld id="{EC913525-F255-614D-8C74-CAEDF9135B33}" type="datetimeFigureOut">
               <a:rPr kumimoji="1" lang="ja-JP" altLang="en-US" smtClean="0"/>
-              <a:t>2023/4/15</a:t>
+              <a:t>2023/6/16</a:t>
             </a:fld>
             <a:endParaRPr kumimoji="1" lang="ja-JP" altLang="en-US"/>
           </a:p>
@@ -954,7 +963,7 @@
           <a:p>
             <a:fld id="{EC913525-F255-614D-8C74-CAEDF9135B33}" type="datetimeFigureOut">
               <a:rPr kumimoji="1" lang="ja-JP" altLang="en-US" smtClean="0"/>
-              <a:t>2023/4/15</a:t>
+              <a:t>2023/6/16</a:t>
             </a:fld>
             <a:endParaRPr kumimoji="1" lang="ja-JP" altLang="en-US"/>
           </a:p>
@@ -1229,7 +1238,7 @@
           <a:p>
             <a:fld id="{EC913525-F255-614D-8C74-CAEDF9135B33}" type="datetimeFigureOut">
               <a:rPr kumimoji="1" lang="ja-JP" altLang="en-US" smtClean="0"/>
-              <a:t>2023/4/15</a:t>
+              <a:t>2023/6/16</a:t>
             </a:fld>
             <a:endParaRPr kumimoji="1" lang="ja-JP" altLang="en-US"/>
           </a:p>
@@ -1558,7 +1567,7 @@
           <a:p>
             <a:fld id="{EC913525-F255-614D-8C74-CAEDF9135B33}" type="datetimeFigureOut">
               <a:rPr kumimoji="1" lang="ja-JP" altLang="en-US" smtClean="0"/>
-              <a:t>2023/4/15</a:t>
+              <a:t>2023/6/16</a:t>
             </a:fld>
             <a:endParaRPr kumimoji="1" lang="ja-JP" altLang="en-US"/>
           </a:p>
@@ -2034,7 +2043,7 @@
           <a:p>
             <a:fld id="{EC913525-F255-614D-8C74-CAEDF9135B33}" type="datetimeFigureOut">
               <a:rPr kumimoji="1" lang="ja-JP" altLang="en-US" smtClean="0"/>
-              <a:t>2023/4/15</a:t>
+              <a:t>2023/6/16</a:t>
             </a:fld>
             <a:endParaRPr kumimoji="1" lang="ja-JP" altLang="en-US"/>
           </a:p>
@@ -2175,7 +2184,7 @@
           <a:p>
             <a:fld id="{EC913525-F255-614D-8C74-CAEDF9135B33}" type="datetimeFigureOut">
               <a:rPr kumimoji="1" lang="ja-JP" altLang="en-US" smtClean="0"/>
-              <a:t>2023/4/15</a:t>
+              <a:t>2023/6/16</a:t>
             </a:fld>
             <a:endParaRPr kumimoji="1" lang="ja-JP" altLang="en-US"/>
           </a:p>
@@ -2288,7 +2297,7 @@
           <a:p>
             <a:fld id="{EC913525-F255-614D-8C74-CAEDF9135B33}" type="datetimeFigureOut">
               <a:rPr kumimoji="1" lang="ja-JP" altLang="en-US" smtClean="0"/>
-              <a:t>2023/4/15</a:t>
+              <a:t>2023/6/16</a:t>
             </a:fld>
             <a:endParaRPr kumimoji="1" lang="ja-JP" altLang="en-US"/>
           </a:p>
@@ -2631,7 +2640,7 @@
           <a:p>
             <a:fld id="{EC913525-F255-614D-8C74-CAEDF9135B33}" type="datetimeFigureOut">
               <a:rPr kumimoji="1" lang="ja-JP" altLang="en-US" smtClean="0"/>
-              <a:t>2023/4/15</a:t>
+              <a:t>2023/6/16</a:t>
             </a:fld>
             <a:endParaRPr kumimoji="1" lang="ja-JP" altLang="en-US"/>
           </a:p>
@@ -2919,7 +2928,7 @@
           <a:p>
             <a:fld id="{EC913525-F255-614D-8C74-CAEDF9135B33}" type="datetimeFigureOut">
               <a:rPr kumimoji="1" lang="ja-JP" altLang="en-US" smtClean="0"/>
-              <a:t>2023/4/15</a:t>
+              <a:t>2023/6/16</a:t>
             </a:fld>
             <a:endParaRPr kumimoji="1" lang="ja-JP" altLang="en-US"/>
           </a:p>
@@ -3192,7 +3201,7 @@
           <a:p>
             <a:fld id="{EC913525-F255-614D-8C74-CAEDF9135B33}" type="datetimeFigureOut">
               <a:rPr kumimoji="1" lang="ja-JP" altLang="en-US" smtClean="0"/>
-              <a:t>2023/4/15</a:t>
+              <a:t>2023/6/16</a:t>
             </a:fld>
             <a:endParaRPr kumimoji="1" lang="ja-JP" altLang="en-US"/>
           </a:p>
@@ -5441,6 +5450,871 @@
 </p:sld>
 </file>
 
+<file path=ppt/slides/slide2.xml><?xml version="1.0" encoding="utf-8"?>
+<p:sld xmlns:a="http://schemas.openxmlformats.org/drawingml/2006/main" xmlns:r="http://schemas.openxmlformats.org/officeDocument/2006/relationships" xmlns:p="http://schemas.openxmlformats.org/presentationml/2006/main">
+  <p:cSld>
+    <p:spTree>
+      <p:nvGrpSpPr>
+        <p:cNvPr id="1" name=""/>
+        <p:cNvGrpSpPr/>
+        <p:nvPr/>
+      </p:nvGrpSpPr>
+      <p:grpSpPr>
+        <a:xfrm>
+          <a:off x="0" y="0"/>
+          <a:ext cx="0" cy="0"/>
+          <a:chOff x="0" y="0"/>
+          <a:chExt cx="0" cy="0"/>
+        </a:xfrm>
+      </p:grpSpPr>
+      <p:grpSp>
+        <p:nvGrpSpPr>
+          <p:cNvPr id="10" name="グループ化 9">
+            <a:extLst>
+              <a:ext uri="{FF2B5EF4-FFF2-40B4-BE49-F238E27FC236}">
+                <a16:creationId xmlns:a16="http://schemas.microsoft.com/office/drawing/2014/main" id="{739EB603-A561-806E-90DD-1659CB86E699}"/>
+              </a:ext>
+            </a:extLst>
+          </p:cNvPr>
+          <p:cNvGrpSpPr/>
+          <p:nvPr/>
+        </p:nvGrpSpPr>
+        <p:grpSpPr>
+          <a:xfrm>
+            <a:off x="1906587" y="360362"/>
+            <a:ext cx="7772400" cy="5881519"/>
+            <a:chOff x="1906587" y="360362"/>
+            <a:chExt cx="7772400" cy="5881519"/>
+          </a:xfrm>
+        </p:grpSpPr>
+        <p:pic>
+          <p:nvPicPr>
+            <p:cNvPr id="7" name="図 6">
+              <a:extLst>
+                <a:ext uri="{FF2B5EF4-FFF2-40B4-BE49-F238E27FC236}">
+                  <a16:creationId xmlns:a16="http://schemas.microsoft.com/office/drawing/2014/main" id="{88A1CFA1-5BD3-2D18-66B6-33BFE8CE8B3D}"/>
+                </a:ext>
+              </a:extLst>
+            </p:cNvPr>
+            <p:cNvPicPr>
+              <a:picLocks noChangeAspect="1"/>
+            </p:cNvPicPr>
+            <p:nvPr/>
+          </p:nvPicPr>
+          <p:blipFill>
+            <a:blip r:embed="rId2"/>
+            <a:stretch>
+              <a:fillRect/>
+            </a:stretch>
+          </p:blipFill>
+          <p:spPr>
+            <a:xfrm>
+              <a:off x="1906587" y="360362"/>
+              <a:ext cx="7772400" cy="5881519"/>
+            </a:xfrm>
+            <a:prstGeom prst="rect">
+              <a:avLst/>
+            </a:prstGeom>
+          </p:spPr>
+        </p:pic>
+        <p:sp>
+          <p:nvSpPr>
+            <p:cNvPr id="8" name="角丸四角形 7">
+              <a:extLst>
+                <a:ext uri="{FF2B5EF4-FFF2-40B4-BE49-F238E27FC236}">
+                  <a16:creationId xmlns:a16="http://schemas.microsoft.com/office/drawing/2014/main" id="{A2C4B563-B4EE-4BCA-5E08-3ABFB9B5F60C}"/>
+                </a:ext>
+              </a:extLst>
+            </p:cNvPr>
+            <p:cNvSpPr/>
+            <p:nvPr/>
+          </p:nvSpPr>
+          <p:spPr>
+            <a:xfrm>
+              <a:off x="2314575" y="2814638"/>
+              <a:ext cx="2743200" cy="442912"/>
+            </a:xfrm>
+            <a:prstGeom prst="roundRect">
+              <a:avLst/>
+            </a:prstGeom>
+            <a:noFill/>
+            <a:ln w="38100">
+              <a:solidFill>
+                <a:srgbClr val="FF40FF"/>
+              </a:solidFill>
+            </a:ln>
+          </p:spPr>
+          <p:style>
+            <a:lnRef idx="2">
+              <a:schemeClr val="accent1">
+                <a:shade val="15000"/>
+              </a:schemeClr>
+            </a:lnRef>
+            <a:fillRef idx="1">
+              <a:schemeClr val="accent1"/>
+            </a:fillRef>
+            <a:effectRef idx="0">
+              <a:schemeClr val="accent1"/>
+            </a:effectRef>
+            <a:fontRef idx="minor">
+              <a:schemeClr val="lt1"/>
+            </a:fontRef>
+          </p:style>
+          <p:txBody>
+            <a:bodyPr rtlCol="0" anchor="ctr"/>
+            <a:lstStyle/>
+            <a:p>
+              <a:pPr algn="ctr"/>
+              <a:endParaRPr kumimoji="1" lang="ja-JP" altLang="en-US"/>
+            </a:p>
+          </p:txBody>
+        </p:sp>
+        <p:sp>
+          <p:nvSpPr>
+            <p:cNvPr id="9" name="角丸四角形 8">
+              <a:extLst>
+                <a:ext uri="{FF2B5EF4-FFF2-40B4-BE49-F238E27FC236}">
+                  <a16:creationId xmlns:a16="http://schemas.microsoft.com/office/drawing/2014/main" id="{0A50FD47-D3E3-FD88-3976-D247AB8DB9A8}"/>
+                </a:ext>
+              </a:extLst>
+            </p:cNvPr>
+            <p:cNvSpPr/>
+            <p:nvPr/>
+          </p:nvSpPr>
+          <p:spPr>
+            <a:xfrm>
+              <a:off x="1906587" y="4818140"/>
+              <a:ext cx="1650652" cy="779772"/>
+            </a:xfrm>
+            <a:prstGeom prst="roundRect">
+              <a:avLst/>
+            </a:prstGeom>
+            <a:noFill/>
+            <a:ln w="38100">
+              <a:solidFill>
+                <a:srgbClr val="FF40FF"/>
+              </a:solidFill>
+            </a:ln>
+          </p:spPr>
+          <p:style>
+            <a:lnRef idx="2">
+              <a:schemeClr val="accent1">
+                <a:shade val="15000"/>
+              </a:schemeClr>
+            </a:lnRef>
+            <a:fillRef idx="1">
+              <a:schemeClr val="accent1"/>
+            </a:fillRef>
+            <a:effectRef idx="0">
+              <a:schemeClr val="accent1"/>
+            </a:effectRef>
+            <a:fontRef idx="minor">
+              <a:schemeClr val="lt1"/>
+            </a:fontRef>
+          </p:style>
+          <p:txBody>
+            <a:bodyPr rtlCol="0" anchor="ctr"/>
+            <a:lstStyle/>
+            <a:p>
+              <a:pPr algn="ctr"/>
+              <a:endParaRPr kumimoji="1" lang="ja-JP" altLang="en-US"/>
+            </a:p>
+          </p:txBody>
+        </p:sp>
+      </p:grpSp>
+    </p:spTree>
+    <p:extLst>
+      <p:ext uri="{BB962C8B-B14F-4D97-AF65-F5344CB8AC3E}">
+        <p14:creationId xmlns:p14="http://schemas.microsoft.com/office/powerpoint/2010/main" val="1343586119"/>
+      </p:ext>
+    </p:extLst>
+  </p:cSld>
+  <p:clrMapOvr>
+    <a:masterClrMapping/>
+  </p:clrMapOvr>
+</p:sld>
+</file>
+
+<file path=ppt/slides/slide3.xml><?xml version="1.0" encoding="utf-8"?>
+<p:sld xmlns:a="http://schemas.openxmlformats.org/drawingml/2006/main" xmlns:r="http://schemas.openxmlformats.org/officeDocument/2006/relationships" xmlns:p="http://schemas.openxmlformats.org/presentationml/2006/main">
+  <p:cSld>
+    <p:spTree>
+      <p:nvGrpSpPr>
+        <p:cNvPr id="1" name=""/>
+        <p:cNvGrpSpPr/>
+        <p:nvPr/>
+      </p:nvGrpSpPr>
+      <p:grpSpPr>
+        <a:xfrm>
+          <a:off x="0" y="0"/>
+          <a:ext cx="0" cy="0"/>
+          <a:chOff x="0" y="0"/>
+          <a:chExt cx="0" cy="0"/>
+        </a:xfrm>
+      </p:grpSpPr>
+      <p:grpSp>
+        <p:nvGrpSpPr>
+          <p:cNvPr id="6" name="グループ化 5">
+            <a:extLst>
+              <a:ext uri="{FF2B5EF4-FFF2-40B4-BE49-F238E27FC236}">
+                <a16:creationId xmlns:a16="http://schemas.microsoft.com/office/drawing/2014/main" id="{CF5E1C9B-B92E-49D7-5790-5B365C36A44C}"/>
+              </a:ext>
+            </a:extLst>
+          </p:cNvPr>
+          <p:cNvGrpSpPr/>
+          <p:nvPr/>
+        </p:nvGrpSpPr>
+        <p:grpSpPr>
+          <a:xfrm>
+            <a:off x="1619250" y="203200"/>
+            <a:ext cx="7772400" cy="5600537"/>
+            <a:chOff x="1619250" y="203200"/>
+            <a:chExt cx="7772400" cy="5600537"/>
+          </a:xfrm>
+        </p:grpSpPr>
+        <p:grpSp>
+          <p:nvGrpSpPr>
+            <p:cNvPr id="5" name="グループ化 4">
+              <a:extLst>
+                <a:ext uri="{FF2B5EF4-FFF2-40B4-BE49-F238E27FC236}">
+                  <a16:creationId xmlns:a16="http://schemas.microsoft.com/office/drawing/2014/main" id="{200AA6CA-5C80-73C1-CAA1-F0A6380FD0E8}"/>
+                </a:ext>
+              </a:extLst>
+            </p:cNvPr>
+            <p:cNvGrpSpPr/>
+            <p:nvPr/>
+          </p:nvGrpSpPr>
+          <p:grpSpPr>
+            <a:xfrm>
+              <a:off x="1619250" y="203200"/>
+              <a:ext cx="7772400" cy="5600537"/>
+              <a:chOff x="1619250" y="203200"/>
+              <a:chExt cx="7772400" cy="5600537"/>
+            </a:xfrm>
+          </p:grpSpPr>
+          <p:pic>
+            <p:nvPicPr>
+              <p:cNvPr id="3" name="図 2">
+                <a:extLst>
+                  <a:ext uri="{FF2B5EF4-FFF2-40B4-BE49-F238E27FC236}">
+                    <a16:creationId xmlns:a16="http://schemas.microsoft.com/office/drawing/2014/main" id="{2CDECE7E-7B38-4D95-1C0A-F6AEA6BA1BD3}"/>
+                  </a:ext>
+                </a:extLst>
+              </p:cNvPr>
+              <p:cNvPicPr>
+                <a:picLocks noChangeAspect="1"/>
+              </p:cNvPicPr>
+              <p:nvPr/>
+            </p:nvPicPr>
+            <p:blipFill>
+              <a:blip r:embed="rId2"/>
+              <a:stretch>
+                <a:fillRect/>
+              </a:stretch>
+            </p:blipFill>
+            <p:spPr>
+              <a:xfrm>
+                <a:off x="1619250" y="203200"/>
+                <a:ext cx="7772400" cy="5600537"/>
+              </a:xfrm>
+              <a:prstGeom prst="rect">
+                <a:avLst/>
+              </a:prstGeom>
+            </p:spPr>
+          </p:pic>
+          <p:sp>
+            <p:nvSpPr>
+              <p:cNvPr id="4" name="角丸四角形 3">
+                <a:extLst>
+                  <a:ext uri="{FF2B5EF4-FFF2-40B4-BE49-F238E27FC236}">
+                    <a16:creationId xmlns:a16="http://schemas.microsoft.com/office/drawing/2014/main" id="{A8012894-5C00-A35E-A3C1-BEA21A48D7BA}"/>
+                  </a:ext>
+                </a:extLst>
+              </p:cNvPr>
+              <p:cNvSpPr/>
+              <p:nvPr/>
+            </p:nvSpPr>
+            <p:spPr>
+              <a:xfrm>
+                <a:off x="1619250" y="4557712"/>
+                <a:ext cx="1452563" cy="814387"/>
+              </a:xfrm>
+              <a:prstGeom prst="roundRect">
+                <a:avLst/>
+              </a:prstGeom>
+              <a:noFill/>
+              <a:ln w="38100">
+                <a:solidFill>
+                  <a:srgbClr val="FF40FF"/>
+                </a:solidFill>
+              </a:ln>
+            </p:spPr>
+            <p:style>
+              <a:lnRef idx="2">
+                <a:schemeClr val="accent1">
+                  <a:shade val="15000"/>
+                </a:schemeClr>
+              </a:lnRef>
+              <a:fillRef idx="1">
+                <a:schemeClr val="accent1"/>
+              </a:fillRef>
+              <a:effectRef idx="0">
+                <a:schemeClr val="accent1"/>
+              </a:effectRef>
+              <a:fontRef idx="minor">
+                <a:schemeClr val="lt1"/>
+              </a:fontRef>
+            </p:style>
+            <p:txBody>
+              <a:bodyPr rtlCol="0" anchor="ctr"/>
+              <a:lstStyle/>
+              <a:p>
+                <a:pPr algn="ctr"/>
+                <a:endParaRPr kumimoji="1" lang="ja-JP" altLang="en-US"/>
+              </a:p>
+            </p:txBody>
+          </p:sp>
+        </p:grpSp>
+        <p:sp>
+          <p:nvSpPr>
+            <p:cNvPr id="2" name="角丸四角形 1">
+              <a:extLst>
+                <a:ext uri="{FF2B5EF4-FFF2-40B4-BE49-F238E27FC236}">
+                  <a16:creationId xmlns:a16="http://schemas.microsoft.com/office/drawing/2014/main" id="{F6CF770D-446E-8C08-D249-96E5D89E476E}"/>
+                </a:ext>
+              </a:extLst>
+            </p:cNvPr>
+            <p:cNvSpPr/>
+            <p:nvPr/>
+          </p:nvSpPr>
+          <p:spPr>
+            <a:xfrm>
+              <a:off x="1619250" y="892909"/>
+              <a:ext cx="2774330" cy="2441305"/>
+            </a:xfrm>
+            <a:prstGeom prst="roundRect">
+              <a:avLst/>
+            </a:prstGeom>
+            <a:noFill/>
+            <a:ln w="38100">
+              <a:solidFill>
+                <a:srgbClr val="FF40FF"/>
+              </a:solidFill>
+            </a:ln>
+          </p:spPr>
+          <p:style>
+            <a:lnRef idx="2">
+              <a:schemeClr val="accent1">
+                <a:shade val="15000"/>
+              </a:schemeClr>
+            </a:lnRef>
+            <a:fillRef idx="1">
+              <a:schemeClr val="accent1"/>
+            </a:fillRef>
+            <a:effectRef idx="0">
+              <a:schemeClr val="accent1"/>
+            </a:effectRef>
+            <a:fontRef idx="minor">
+              <a:schemeClr val="lt1"/>
+            </a:fontRef>
+          </p:style>
+          <p:txBody>
+            <a:bodyPr rtlCol="0" anchor="ctr"/>
+            <a:lstStyle/>
+            <a:p>
+              <a:pPr algn="ctr"/>
+              <a:endParaRPr kumimoji="1" lang="ja-JP" altLang="en-US"/>
+            </a:p>
+          </p:txBody>
+        </p:sp>
+      </p:grpSp>
+    </p:spTree>
+    <p:extLst>
+      <p:ext uri="{BB962C8B-B14F-4D97-AF65-F5344CB8AC3E}">
+        <p14:creationId xmlns:p14="http://schemas.microsoft.com/office/powerpoint/2010/main" val="1385178356"/>
+      </p:ext>
+    </p:extLst>
+  </p:cSld>
+  <p:clrMapOvr>
+    <a:masterClrMapping/>
+  </p:clrMapOvr>
+</p:sld>
+</file>
+
+<file path=ppt/slides/slide4.xml><?xml version="1.0" encoding="utf-8"?>
+<p:sld xmlns:a="http://schemas.openxmlformats.org/drawingml/2006/main" xmlns:r="http://schemas.openxmlformats.org/officeDocument/2006/relationships" xmlns:p="http://schemas.openxmlformats.org/presentationml/2006/main">
+  <p:cSld>
+    <p:spTree>
+      <p:nvGrpSpPr>
+        <p:cNvPr id="1" name=""/>
+        <p:cNvGrpSpPr/>
+        <p:nvPr/>
+      </p:nvGrpSpPr>
+      <p:grpSpPr>
+        <a:xfrm>
+          <a:off x="0" y="0"/>
+          <a:ext cx="0" cy="0"/>
+          <a:chOff x="0" y="0"/>
+          <a:chExt cx="0" cy="0"/>
+        </a:xfrm>
+      </p:grpSpPr>
+      <p:grpSp>
+        <p:nvGrpSpPr>
+          <p:cNvPr id="5" name="グループ化 4">
+            <a:extLst>
+              <a:ext uri="{FF2B5EF4-FFF2-40B4-BE49-F238E27FC236}">
+                <a16:creationId xmlns:a16="http://schemas.microsoft.com/office/drawing/2014/main" id="{C12957B4-F775-59FC-1456-933B571BA097}"/>
+              </a:ext>
+            </a:extLst>
+          </p:cNvPr>
+          <p:cNvGrpSpPr/>
+          <p:nvPr/>
+        </p:nvGrpSpPr>
+        <p:grpSpPr>
+          <a:xfrm>
+            <a:off x="1619250" y="844550"/>
+            <a:ext cx="7810500" cy="4527549"/>
+            <a:chOff x="1619250" y="844550"/>
+            <a:chExt cx="7810500" cy="4527549"/>
+          </a:xfrm>
+        </p:grpSpPr>
+        <p:pic>
+          <p:nvPicPr>
+            <p:cNvPr id="3" name="図 2">
+              <a:extLst>
+                <a:ext uri="{FF2B5EF4-FFF2-40B4-BE49-F238E27FC236}">
+                  <a16:creationId xmlns:a16="http://schemas.microsoft.com/office/drawing/2014/main" id="{6D533FC8-D992-99AC-0A2D-0FFBF2B9CCBC}"/>
+                </a:ext>
+              </a:extLst>
+            </p:cNvPr>
+            <p:cNvPicPr>
+              <a:picLocks noChangeAspect="1"/>
+            </p:cNvPicPr>
+            <p:nvPr/>
+          </p:nvPicPr>
+          <p:blipFill>
+            <a:blip r:embed="rId2"/>
+            <a:stretch>
+              <a:fillRect/>
+            </a:stretch>
+          </p:blipFill>
+          <p:spPr>
+            <a:xfrm>
+              <a:off x="1657350" y="844550"/>
+              <a:ext cx="7772400" cy="4525560"/>
+            </a:xfrm>
+            <a:prstGeom prst="rect">
+              <a:avLst/>
+            </a:prstGeom>
+          </p:spPr>
+        </p:pic>
+        <p:sp>
+          <p:nvSpPr>
+            <p:cNvPr id="4" name="角丸四角形 3">
+              <a:extLst>
+                <a:ext uri="{FF2B5EF4-FFF2-40B4-BE49-F238E27FC236}">
+                  <a16:creationId xmlns:a16="http://schemas.microsoft.com/office/drawing/2014/main" id="{94A3C249-DCDD-9128-7E9A-0A38F0098936}"/>
+                </a:ext>
+              </a:extLst>
+            </p:cNvPr>
+            <p:cNvSpPr/>
+            <p:nvPr/>
+          </p:nvSpPr>
+          <p:spPr>
+            <a:xfrm>
+              <a:off x="1619250" y="4557712"/>
+              <a:ext cx="1452563" cy="814387"/>
+            </a:xfrm>
+            <a:prstGeom prst="roundRect">
+              <a:avLst/>
+            </a:prstGeom>
+            <a:noFill/>
+            <a:ln w="38100">
+              <a:solidFill>
+                <a:srgbClr val="FF40FF"/>
+              </a:solidFill>
+            </a:ln>
+          </p:spPr>
+          <p:style>
+            <a:lnRef idx="2">
+              <a:schemeClr val="accent1">
+                <a:shade val="15000"/>
+              </a:schemeClr>
+            </a:lnRef>
+            <a:fillRef idx="1">
+              <a:schemeClr val="accent1"/>
+            </a:fillRef>
+            <a:effectRef idx="0">
+              <a:schemeClr val="accent1"/>
+            </a:effectRef>
+            <a:fontRef idx="minor">
+              <a:schemeClr val="lt1"/>
+            </a:fontRef>
+          </p:style>
+          <p:txBody>
+            <a:bodyPr rtlCol="0" anchor="ctr"/>
+            <a:lstStyle/>
+            <a:p>
+              <a:pPr algn="ctr"/>
+              <a:endParaRPr kumimoji="1" lang="ja-JP" altLang="en-US"/>
+            </a:p>
+          </p:txBody>
+        </p:sp>
+      </p:grpSp>
+    </p:spTree>
+    <p:extLst>
+      <p:ext uri="{BB962C8B-B14F-4D97-AF65-F5344CB8AC3E}">
+        <p14:creationId xmlns:p14="http://schemas.microsoft.com/office/powerpoint/2010/main" val="582572472"/>
+      </p:ext>
+    </p:extLst>
+  </p:cSld>
+  <p:clrMapOvr>
+    <a:masterClrMapping/>
+  </p:clrMapOvr>
+</p:sld>
+</file>
+
+<file path=ppt/slides/slide5.xml><?xml version="1.0" encoding="utf-8"?>
+<p:sld xmlns:a="http://schemas.openxmlformats.org/drawingml/2006/main" xmlns:r="http://schemas.openxmlformats.org/officeDocument/2006/relationships" xmlns:p="http://schemas.openxmlformats.org/presentationml/2006/main">
+  <p:cSld>
+    <p:spTree>
+      <p:nvGrpSpPr>
+        <p:cNvPr id="1" name=""/>
+        <p:cNvGrpSpPr/>
+        <p:nvPr/>
+      </p:nvGrpSpPr>
+      <p:grpSpPr>
+        <a:xfrm>
+          <a:off x="0" y="0"/>
+          <a:ext cx="0" cy="0"/>
+          <a:chOff x="0" y="0"/>
+          <a:chExt cx="0" cy="0"/>
+        </a:xfrm>
+      </p:grpSpPr>
+      <p:grpSp>
+        <p:nvGrpSpPr>
+          <p:cNvPr id="9" name="グループ化 8">
+            <a:extLst>
+              <a:ext uri="{FF2B5EF4-FFF2-40B4-BE49-F238E27FC236}">
+                <a16:creationId xmlns:a16="http://schemas.microsoft.com/office/drawing/2014/main" id="{0B93018E-345A-EB5A-3CF8-5AE3B69A95E4}"/>
+              </a:ext>
+            </a:extLst>
+          </p:cNvPr>
+          <p:cNvGrpSpPr/>
+          <p:nvPr/>
+        </p:nvGrpSpPr>
+        <p:grpSpPr>
+          <a:xfrm>
+            <a:off x="1958975" y="768350"/>
+            <a:ext cx="7772401" cy="5375972"/>
+            <a:chOff x="1958975" y="768350"/>
+            <a:chExt cx="7772401" cy="5375972"/>
+          </a:xfrm>
+        </p:grpSpPr>
+        <p:sp>
+          <p:nvSpPr>
+            <p:cNvPr id="8" name="正方形/長方形 7">
+              <a:extLst>
+                <a:ext uri="{FF2B5EF4-FFF2-40B4-BE49-F238E27FC236}">
+                  <a16:creationId xmlns:a16="http://schemas.microsoft.com/office/drawing/2014/main" id="{DE2CE313-8983-2C5D-66BD-ED71619784E8}"/>
+                </a:ext>
+              </a:extLst>
+            </p:cNvPr>
+            <p:cNvSpPr/>
+            <p:nvPr/>
+          </p:nvSpPr>
+          <p:spPr>
+            <a:xfrm>
+              <a:off x="1962616" y="768350"/>
+              <a:ext cx="7768760" cy="5375972"/>
+            </a:xfrm>
+            <a:prstGeom prst="rect">
+              <a:avLst/>
+            </a:prstGeom>
+            <a:solidFill>
+              <a:schemeClr val="bg1"/>
+            </a:solidFill>
+            <a:ln>
+              <a:noFill/>
+            </a:ln>
+          </p:spPr>
+          <p:style>
+            <a:lnRef idx="2">
+              <a:schemeClr val="accent1">
+                <a:shade val="15000"/>
+              </a:schemeClr>
+            </a:lnRef>
+            <a:fillRef idx="1">
+              <a:schemeClr val="accent1"/>
+            </a:fillRef>
+            <a:effectRef idx="0">
+              <a:schemeClr val="accent1"/>
+            </a:effectRef>
+            <a:fontRef idx="minor">
+              <a:schemeClr val="lt1"/>
+            </a:fontRef>
+          </p:style>
+          <p:txBody>
+            <a:bodyPr rtlCol="0" anchor="ctr"/>
+            <a:lstStyle/>
+            <a:p>
+              <a:pPr algn="ctr"/>
+              <a:endParaRPr kumimoji="1" lang="ja-JP" altLang="en-US"/>
+            </a:p>
+          </p:txBody>
+        </p:sp>
+        <p:grpSp>
+          <p:nvGrpSpPr>
+            <p:cNvPr id="7" name="グループ化 6">
+              <a:extLst>
+                <a:ext uri="{FF2B5EF4-FFF2-40B4-BE49-F238E27FC236}">
+                  <a16:creationId xmlns:a16="http://schemas.microsoft.com/office/drawing/2014/main" id="{F88B2806-80FE-A259-BFDA-3063B95FD9E1}"/>
+                </a:ext>
+              </a:extLst>
+            </p:cNvPr>
+            <p:cNvGrpSpPr/>
+            <p:nvPr/>
+          </p:nvGrpSpPr>
+          <p:grpSpPr>
+            <a:xfrm>
+              <a:off x="1958975" y="768350"/>
+              <a:ext cx="7772400" cy="5321300"/>
+              <a:chOff x="1958975" y="768350"/>
+              <a:chExt cx="7772400" cy="5321300"/>
+            </a:xfrm>
+          </p:grpSpPr>
+          <p:pic>
+            <p:nvPicPr>
+              <p:cNvPr id="3" name="図 2">
+                <a:extLst>
+                  <a:ext uri="{FF2B5EF4-FFF2-40B4-BE49-F238E27FC236}">
+                    <a16:creationId xmlns:a16="http://schemas.microsoft.com/office/drawing/2014/main" id="{E4732287-AD0A-1DAE-21EE-9C1CFA63BB23}"/>
+                  </a:ext>
+                </a:extLst>
+              </p:cNvPr>
+              <p:cNvPicPr>
+                <a:picLocks noChangeAspect="1"/>
+              </p:cNvPicPr>
+              <p:nvPr/>
+            </p:nvPicPr>
+            <p:blipFill>
+              <a:blip r:embed="rId2"/>
+              <a:stretch>
+                <a:fillRect/>
+              </a:stretch>
+            </p:blipFill>
+            <p:spPr>
+              <a:xfrm>
+                <a:off x="1958975" y="768350"/>
+                <a:ext cx="7772400" cy="4681836"/>
+              </a:xfrm>
+              <a:prstGeom prst="rect">
+                <a:avLst/>
+              </a:prstGeom>
+            </p:spPr>
+          </p:pic>
+          <p:sp>
+            <p:nvSpPr>
+              <p:cNvPr id="4" name="角丸四角形 3">
+                <a:extLst>
+                  <a:ext uri="{FF2B5EF4-FFF2-40B4-BE49-F238E27FC236}">
+                    <a16:creationId xmlns:a16="http://schemas.microsoft.com/office/drawing/2014/main" id="{2B11E296-4407-6B3C-FCB8-EEC7724F3AF7}"/>
+                  </a:ext>
+                </a:extLst>
+              </p:cNvPr>
+              <p:cNvSpPr/>
+              <p:nvPr/>
+            </p:nvSpPr>
+            <p:spPr>
+              <a:xfrm>
+                <a:off x="5591175" y="4900612"/>
+                <a:ext cx="4140200" cy="1189038"/>
+              </a:xfrm>
+              <a:prstGeom prst="roundRect">
+                <a:avLst/>
+              </a:prstGeom>
+              <a:noFill/>
+              <a:ln w="38100">
+                <a:solidFill>
+                  <a:srgbClr val="FF40FF"/>
+                </a:solidFill>
+              </a:ln>
+            </p:spPr>
+            <p:style>
+              <a:lnRef idx="2">
+                <a:schemeClr val="accent1">
+                  <a:shade val="15000"/>
+                </a:schemeClr>
+              </a:lnRef>
+              <a:fillRef idx="1">
+                <a:schemeClr val="accent1"/>
+              </a:fillRef>
+              <a:effectRef idx="0">
+                <a:schemeClr val="accent1"/>
+              </a:effectRef>
+              <a:fontRef idx="minor">
+                <a:schemeClr val="lt1"/>
+              </a:fontRef>
+            </p:style>
+            <p:txBody>
+              <a:bodyPr rtlCol="0" anchor="ctr"/>
+              <a:lstStyle/>
+              <a:p>
+                <a:pPr algn="ctr"/>
+                <a:endParaRPr kumimoji="1" lang="ja-JP" altLang="en-US"/>
+              </a:p>
+            </p:txBody>
+          </p:sp>
+          <p:sp>
+            <p:nvSpPr>
+              <p:cNvPr id="5" name="角丸四角形 4">
+                <a:extLst>
+                  <a:ext uri="{FF2B5EF4-FFF2-40B4-BE49-F238E27FC236}">
+                    <a16:creationId xmlns:a16="http://schemas.microsoft.com/office/drawing/2014/main" id="{1076B8EF-36B0-63D8-82E6-E513BDF1B3CD}"/>
+                  </a:ext>
+                </a:extLst>
+              </p:cNvPr>
+              <p:cNvSpPr/>
+              <p:nvPr/>
+            </p:nvSpPr>
+            <p:spPr>
+              <a:xfrm>
+                <a:off x="5729288" y="5450186"/>
+                <a:ext cx="3486150" cy="507702"/>
+              </a:xfrm>
+              <a:prstGeom prst="roundRect">
+                <a:avLst/>
+              </a:prstGeom>
+            </p:spPr>
+            <p:style>
+              <a:lnRef idx="2">
+                <a:schemeClr val="accent1">
+                  <a:shade val="15000"/>
+                </a:schemeClr>
+              </a:lnRef>
+              <a:fillRef idx="1">
+                <a:schemeClr val="accent1"/>
+              </a:fillRef>
+              <a:effectRef idx="0">
+                <a:schemeClr val="accent1"/>
+              </a:effectRef>
+              <a:fontRef idx="minor">
+                <a:schemeClr val="lt1"/>
+              </a:fontRef>
+            </p:style>
+            <p:txBody>
+              <a:bodyPr rtlCol="0" anchor="ctr"/>
+              <a:lstStyle/>
+              <a:p>
+                <a:pPr algn="ctr"/>
+                <a:endParaRPr kumimoji="1" lang="ja-JP" altLang="en-US"/>
+              </a:p>
+            </p:txBody>
+          </p:sp>
+          <p:sp>
+            <p:nvSpPr>
+              <p:cNvPr id="6" name="角丸四角形吹き出し 5">
+                <a:extLst>
+                  <a:ext uri="{FF2B5EF4-FFF2-40B4-BE49-F238E27FC236}">
+                    <a16:creationId xmlns:a16="http://schemas.microsoft.com/office/drawing/2014/main" id="{54A95B07-4B5F-436D-C4B7-C5C0768D3709}"/>
+                  </a:ext>
+                </a:extLst>
+              </p:cNvPr>
+              <p:cNvSpPr/>
+              <p:nvPr/>
+            </p:nvSpPr>
+            <p:spPr>
+              <a:xfrm>
+                <a:off x="3502917" y="5318424"/>
+                <a:ext cx="1572321" cy="639464"/>
+              </a:xfrm>
+              <a:prstGeom prst="wedgeRoundRectCallout">
+                <a:avLst>
+                  <a:gd name="adj1" fmla="val 105408"/>
+                  <a:gd name="adj2" fmla="val 1466"/>
+                  <a:gd name="adj3" fmla="val 16667"/>
+                </a:avLst>
+              </a:prstGeom>
+              <a:ln/>
+            </p:spPr>
+            <p:style>
+              <a:lnRef idx="1">
+                <a:schemeClr val="accent2"/>
+              </a:lnRef>
+              <a:fillRef idx="2">
+                <a:schemeClr val="accent2"/>
+              </a:fillRef>
+              <a:effectRef idx="1">
+                <a:schemeClr val="accent2"/>
+              </a:effectRef>
+              <a:fontRef idx="minor">
+                <a:schemeClr val="dk1"/>
+              </a:fontRef>
+            </p:style>
+            <p:txBody>
+              <a:bodyPr rtlCol="0" anchor="ctr"/>
+              <a:lstStyle/>
+              <a:p>
+                <a:pPr algn="ctr"/>
+                <a:r>
+                  <a:rPr lang="ja-JP" altLang="en-US" b="1">
+                    <a:solidFill>
+                      <a:schemeClr val="tx1">
+                        <a:lumMod val="75000"/>
+                        <a:lumOff val="25000"/>
+                      </a:schemeClr>
+                    </a:solidFill>
+                  </a:rPr>
+                  <a:t>この</a:t>
+                </a:r>
+                <a:r>
+                  <a:rPr lang="en-US" altLang="ja-JP" b="1" dirty="0">
+                    <a:solidFill>
+                      <a:schemeClr val="tx1">
+                        <a:lumMod val="75000"/>
+                        <a:lumOff val="25000"/>
+                      </a:schemeClr>
+                    </a:solidFill>
+                  </a:rPr>
+                  <a:t>URL</a:t>
+                </a:r>
+                <a:r>
+                  <a:rPr lang="ja-JP" altLang="en-US" b="1">
+                    <a:solidFill>
+                      <a:schemeClr val="tx1">
+                        <a:lumMod val="75000"/>
+                        <a:lumOff val="25000"/>
+                      </a:schemeClr>
+                    </a:solidFill>
+                  </a:rPr>
+                  <a:t>をクリック！</a:t>
+                </a:r>
+                <a:endParaRPr kumimoji="1" lang="ja-JP" altLang="en-US" b="1">
+                  <a:solidFill>
+                    <a:schemeClr val="tx1">
+                      <a:lumMod val="75000"/>
+                      <a:lumOff val="25000"/>
+                    </a:schemeClr>
+                  </a:solidFill>
+                </a:endParaRPr>
+              </a:p>
+            </p:txBody>
+          </p:sp>
+        </p:grpSp>
+      </p:grpSp>
+    </p:spTree>
+    <p:extLst>
+      <p:ext uri="{BB962C8B-B14F-4D97-AF65-F5344CB8AC3E}">
+        <p14:creationId xmlns:p14="http://schemas.microsoft.com/office/powerpoint/2010/main" val="1064285680"/>
+      </p:ext>
+    </p:extLst>
+  </p:cSld>
+  <p:clrMapOvr>
+    <a:masterClrMapping/>
+  </p:clrMapOvr>
+</p:sld>
+</file>
+
 <file path=ppt/theme/theme1.xml><?xml version="1.0" encoding="utf-8"?>
 <a:theme xmlns:a="http://schemas.openxmlformats.org/drawingml/2006/main" name="Office テーマ">
   <a:themeElements>
